--- a/NLIP_Briefer.pptx
+++ b/NLIP_Briefer.pptx
@@ -13685,13 +13685,8 @@
             <a:pPr lvl="2"/>
             <a:r>
               <a:rPr lang="en-US" dirty="0"/>
-              <a:t>Mathews </a:t>
-            </a:r>
-            <a:r>
-              <a:rPr lang="en-US" dirty="0" err="1"/>
-              <a:t>Maurielo</a:t>
-            </a:r>
-            <a:endParaRPr lang="en-US" dirty="0"/>
+              <a:t>Mathews Mauriello</a:t>
+            </a:r>
           </a:p>
           <a:p>
             <a:pPr lvl="1"/>

--- a/NLIP_Briefer.pptx
+++ b/NLIP_Briefer.pptx
@@ -5,10 +5,10 @@
     <p:sldMasterId id="2147483924" r:id="rId1"/>
   </p:sldMasterIdLst>
   <p:notesMasterIdLst>
-    <p:notesMasterId r:id="rId18"/>
+    <p:notesMasterId r:id="rId19"/>
   </p:notesMasterIdLst>
   <p:handoutMasterIdLst>
-    <p:handoutMasterId r:id="rId19"/>
+    <p:handoutMasterId r:id="rId20"/>
   </p:handoutMasterIdLst>
   <p:sldIdLst>
     <p:sldId id="396" r:id="rId2"/>
@@ -24,9 +24,10 @@
     <p:sldId id="410" r:id="rId12"/>
     <p:sldId id="415" r:id="rId13"/>
     <p:sldId id="413" r:id="rId14"/>
-    <p:sldId id="418" r:id="rId15"/>
-    <p:sldId id="411" r:id="rId16"/>
-    <p:sldId id="390" r:id="rId17"/>
+    <p:sldId id="419" r:id="rId15"/>
+    <p:sldId id="418" r:id="rId16"/>
+    <p:sldId id="411" r:id="rId17"/>
+    <p:sldId id="390" r:id="rId18"/>
   </p:sldIdLst>
   <p:sldSz cx="9144000" cy="5143500" type="screen16x9"/>
   <p:notesSz cx="6858000" cy="9144000"/>
@@ -10376,8 +10377,8 @@
         </p:nvSpPr>
         <p:spPr>
           <a:xfrm>
-            <a:off x="219456" y="1243584"/>
-            <a:ext cx="4352544" cy="3252216"/>
+            <a:off x="219456" y="603504"/>
+            <a:ext cx="4315214" cy="4539996"/>
           </a:xfrm>
         </p:spPr>
         <p:txBody>
@@ -10418,7 +10419,7 @@
             <a:pPr lvl="1"/>
             <a:r>
               <a:rPr lang="en-US" dirty="0"/>
-              <a:t>An optional synchronization field</a:t>
+              <a:t>A label field which is a string</a:t>
             </a:r>
           </a:p>
           <a:p>
@@ -10431,7 +10432,7 @@
             <a:pPr lvl="1"/>
             <a:r>
               <a:rPr lang="en-US" dirty="0"/>
-              <a:t>And indicates if it is a control message</a:t>
+              <a:t>And indicates type of messages (control/data/general)</a:t>
             </a:r>
           </a:p>
           <a:p>
@@ -10440,6 +10441,10 @@
               <a:rPr lang="en-US" dirty="0"/>
               <a:t>A control message could inquire about policies of the service, configuration exchange etc.  </a:t>
             </a:r>
+          </a:p>
+          <a:p>
+            <a:pPr lvl="1"/>
+            <a:endParaRPr lang="en-US" dirty="0"/>
           </a:p>
         </p:txBody>
       </p:sp>
@@ -10461,8 +10466,8 @@
         </p:nvSpPr>
         <p:spPr>
           <a:xfrm>
-            <a:off x="4791456" y="1243584"/>
-            <a:ext cx="4133087" cy="928761"/>
+            <a:off x="4791457" y="693267"/>
+            <a:ext cx="4133087" cy="1214014"/>
           </a:xfrm>
         </p:spPr>
         <p:txBody>
@@ -10479,7 +10484,15 @@
             </a:r>
             <a:r>
               <a:rPr lang="en-US" dirty="0"/>
-              <a:t> and content at very top with an optional semantics indicator for synchronization.</a:t>
+              <a:t>, content and </a:t>
+            </a:r>
+            <a:r>
+              <a:rPr lang="en-US"/>
+              <a:t>optional message at </a:t>
+            </a:r>
+            <a:r>
+              <a:rPr lang="en-US" dirty="0"/>
+              <a:t>very top. </a:t>
             </a:r>
           </a:p>
         </p:txBody>
@@ -10528,10 +10541,10 @@
         </p:nvGrpSpPr>
         <p:grpSpPr>
           <a:xfrm>
-            <a:off x="4911439" y="2361555"/>
-            <a:ext cx="3636785" cy="2570853"/>
-            <a:chOff x="4800602" y="1911927"/>
-            <a:chExt cx="3636785" cy="2570853"/>
+            <a:off x="4911439" y="2050757"/>
+            <a:ext cx="3636785" cy="3211698"/>
+            <a:chOff x="4800602" y="1601129"/>
+            <a:chExt cx="3636785" cy="3211698"/>
           </a:xfrm>
         </p:grpSpPr>
         <p:grpSp>
@@ -10727,10 +10740,10 @@
           </p:nvGrpSpPr>
           <p:grpSpPr>
             <a:xfrm>
-              <a:off x="4800602" y="1911927"/>
-              <a:ext cx="1524000" cy="1536365"/>
-              <a:chOff x="5126182" y="2216727"/>
-              <a:chExt cx="1524000" cy="1536365"/>
+              <a:off x="4800602" y="1655454"/>
+              <a:ext cx="1524000" cy="1792838"/>
+              <a:chOff x="5126182" y="1960254"/>
+              <a:chExt cx="1524000" cy="1792838"/>
             </a:xfrm>
           </p:grpSpPr>
           <p:sp>
@@ -10747,7 +10760,7 @@
             </p:nvSpPr>
             <p:spPr>
               <a:xfrm>
-                <a:off x="5126182" y="2216727"/>
+                <a:off x="5126182" y="1960254"/>
                 <a:ext cx="1524000" cy="307777"/>
               </a:xfrm>
               <a:prstGeom prst="rect">
@@ -10773,7 +10786,7 @@
               <a:p>
                 <a:pPr algn="ctr"/>
                 <a:r>
-                  <a:rPr lang="en-US" sz="1400" dirty="0">
+                  <a:rPr lang="en-US" sz="1400" dirty="0" err="1">
                     <a:solidFill>
                       <a:schemeClr val="tx1"/>
                     </a:solidFill>
@@ -10781,8 +10794,16 @@
                     <a:ea typeface="IBM Plex Sans" charset="0"/>
                     <a:cs typeface="IBM Plex Sans" charset="0"/>
                   </a:rPr>
-                  <a:t>Control</a:t>
+                  <a:t>MessageType</a:t>
                 </a:r>
+                <a:endParaRPr lang="en-US" sz="1400" dirty="0">
+                  <a:solidFill>
+                    <a:schemeClr val="tx1"/>
+                  </a:solidFill>
+                  <a:latin typeface="IBM Plex Sans" charset="0"/>
+                  <a:ea typeface="IBM Plex Sans" charset="0"/>
+                  <a:cs typeface="IBM Plex Sans" charset="0"/>
+                </a:endParaRPr>
               </a:p>
             </p:txBody>
           </p:sp>
@@ -10800,7 +10821,7 @@
             </p:nvSpPr>
             <p:spPr>
               <a:xfrm>
-                <a:off x="5126182" y="2521527"/>
+                <a:off x="5126182" y="2265054"/>
                 <a:ext cx="1524000" cy="307777"/>
               </a:xfrm>
               <a:prstGeom prst="rect">
@@ -10853,7 +10874,7 @@
             </p:nvSpPr>
             <p:spPr>
               <a:xfrm>
-                <a:off x="5126182" y="2826327"/>
+                <a:off x="5126182" y="2569854"/>
                 <a:ext cx="1524000" cy="307777"/>
               </a:xfrm>
               <a:prstGeom prst="rect">
@@ -10914,7 +10935,7 @@
             </p:nvSpPr>
             <p:spPr>
               <a:xfrm>
-                <a:off x="5126182" y="3128150"/>
+                <a:off x="5126182" y="2871677"/>
                 <a:ext cx="1524000" cy="307777"/>
               </a:xfrm>
               <a:prstGeom prst="rect">
@@ -11029,9 +11050,9 @@
           </p:nvGrpSpPr>
           <p:grpSpPr>
             <a:xfrm>
-              <a:off x="6913387" y="2125234"/>
+              <a:off x="6913387" y="1601129"/>
               <a:ext cx="1524000" cy="914400"/>
-              <a:chOff x="5126182" y="2521527"/>
+              <a:chOff x="5126182" y="1997422"/>
               <a:chExt cx="1524000" cy="914400"/>
             </a:xfrm>
             <a:solidFill>
@@ -11055,7 +11076,7 @@
             </p:nvSpPr>
             <p:spPr>
               <a:xfrm>
-                <a:off x="5126182" y="2521527"/>
+                <a:off x="5126182" y="1997422"/>
                 <a:ext cx="1524000" cy="307777"/>
               </a:xfrm>
               <a:prstGeom prst="rect">
@@ -11103,7 +11124,7 @@
             </p:nvSpPr>
             <p:spPr>
               <a:xfrm>
-                <a:off x="5126182" y="2826327"/>
+                <a:off x="5126182" y="2302222"/>
                 <a:ext cx="1524000" cy="307777"/>
               </a:xfrm>
               <a:prstGeom prst="rect">
@@ -11159,7 +11180,7 @@
             </p:nvSpPr>
             <p:spPr>
               <a:xfrm>
-                <a:off x="5126182" y="3128150"/>
+                <a:off x="5126182" y="2604045"/>
                 <a:ext cx="1524000" cy="307777"/>
               </a:xfrm>
               <a:prstGeom prst="rect">
@@ -11211,8 +11232,8 @@
           </p:nvCxnSpPr>
           <p:spPr bwMode="auto">
             <a:xfrm flipV="1">
-              <a:off x="6324602" y="2279123"/>
-              <a:ext cx="588785" cy="1015281"/>
+              <a:off x="6324602" y="1755018"/>
+              <a:ext cx="588785" cy="1539386"/>
             </a:xfrm>
             <a:prstGeom prst="bentConnector3">
               <a:avLst/>
@@ -11255,7 +11276,7 @@
           </p:nvSpPr>
           <p:spPr>
             <a:xfrm>
-              <a:off x="7372373" y="3559450"/>
+              <a:off x="7372373" y="3889497"/>
               <a:ext cx="815663" cy="923330"/>
             </a:xfrm>
             <a:prstGeom prst="rect">
@@ -11285,6 +11306,165 @@
           </p:txBody>
         </p:sp>
       </p:grpSp>
+      <p:sp>
+        <p:nvSpPr>
+          <p:cNvPr id="7" name="TextBox 6">
+            <a:extLst>
+              <a:ext uri="{FF2B5EF4-FFF2-40B4-BE49-F238E27FC236}">
+                <a16:creationId xmlns:a16="http://schemas.microsoft.com/office/drawing/2014/main" id="{3D3035EA-F8F1-022F-751D-B9DDC36EB08F}"/>
+              </a:ext>
+            </a:extLst>
+          </p:cNvPr>
+          <p:cNvSpPr txBox="1"/>
+          <p:nvPr/>
+        </p:nvSpPr>
+        <p:spPr>
+          <a:xfrm>
+            <a:off x="4911439" y="3313600"/>
+            <a:ext cx="1524000" cy="307777"/>
+          </a:xfrm>
+          <a:prstGeom prst="rect">
+            <a:avLst/>
+          </a:prstGeom>
+          <a:solidFill>
+            <a:schemeClr val="accent5">
+              <a:lumMod val="20000"/>
+              <a:lumOff val="80000"/>
+            </a:schemeClr>
+          </a:solidFill>
+          <a:ln>
+            <a:solidFill>
+              <a:schemeClr val="tx1"/>
+            </a:solidFill>
+          </a:ln>
+        </p:spPr>
+        <p:txBody>
+          <a:bodyPr wrap="square" rtlCol="0">
+            <a:spAutoFit/>
+          </a:bodyPr>
+          <a:lstStyle/>
+          <a:p>
+            <a:pPr algn="ctr"/>
+            <a:r>
+              <a:rPr lang="en-US" sz="1400" dirty="0">
+                <a:solidFill>
+                  <a:schemeClr val="tx1"/>
+                </a:solidFill>
+                <a:latin typeface="IBM Plex Sans" charset="0"/>
+                <a:ea typeface="IBM Plex Sans" charset="0"/>
+                <a:cs typeface="IBM Plex Sans" charset="0"/>
+              </a:rPr>
+              <a:t>Label</a:t>
+            </a:r>
+          </a:p>
+        </p:txBody>
+      </p:sp>
+      <p:sp>
+        <p:nvSpPr>
+          <p:cNvPr id="11" name="TextBox 10">
+            <a:extLst>
+              <a:ext uri="{FF2B5EF4-FFF2-40B4-BE49-F238E27FC236}">
+                <a16:creationId xmlns:a16="http://schemas.microsoft.com/office/drawing/2014/main" id="{259EBF49-B48C-F88B-59E3-4B2403F99349}"/>
+              </a:ext>
+            </a:extLst>
+          </p:cNvPr>
+          <p:cNvSpPr txBox="1"/>
+          <p:nvPr/>
+        </p:nvSpPr>
+        <p:spPr>
+          <a:xfrm>
+            <a:off x="7024224" y="2968134"/>
+            <a:ext cx="1524000" cy="307777"/>
+          </a:xfrm>
+          <a:prstGeom prst="rect">
+            <a:avLst/>
+          </a:prstGeom>
+          <a:solidFill>
+            <a:schemeClr val="accent4">
+              <a:lumMod val="20000"/>
+              <a:lumOff val="80000"/>
+            </a:schemeClr>
+          </a:solidFill>
+          <a:ln>
+            <a:solidFill>
+              <a:schemeClr val="tx1"/>
+            </a:solidFill>
+          </a:ln>
+        </p:spPr>
+        <p:txBody>
+          <a:bodyPr wrap="square" rtlCol="0">
+            <a:spAutoFit/>
+          </a:bodyPr>
+          <a:lstStyle/>
+          <a:p>
+            <a:pPr algn="ctr"/>
+            <a:r>
+              <a:rPr lang="en-US" sz="1400" dirty="0">
+                <a:solidFill>
+                  <a:schemeClr val="tx1"/>
+                </a:solidFill>
+                <a:latin typeface="IBM Plex Sans" charset="0"/>
+                <a:ea typeface="IBM Plex Sans" charset="0"/>
+                <a:cs typeface="IBM Plex Sans" charset="0"/>
+              </a:rPr>
+              <a:t>Label</a:t>
+            </a:r>
+          </a:p>
+        </p:txBody>
+      </p:sp>
+      <p:sp>
+        <p:nvSpPr>
+          <p:cNvPr id="17" name="TextBox 16">
+            <a:extLst>
+              <a:ext uri="{FF2B5EF4-FFF2-40B4-BE49-F238E27FC236}">
+                <a16:creationId xmlns:a16="http://schemas.microsoft.com/office/drawing/2014/main" id="{08DE10B3-5B5A-BF87-C319-F22A81E7C422}"/>
+              </a:ext>
+            </a:extLst>
+          </p:cNvPr>
+          <p:cNvSpPr txBox="1"/>
+          <p:nvPr/>
+        </p:nvSpPr>
+        <p:spPr>
+          <a:xfrm>
+            <a:off x="7031660" y="4491532"/>
+            <a:ext cx="1524000" cy="307777"/>
+          </a:xfrm>
+          <a:prstGeom prst="rect">
+            <a:avLst/>
+          </a:prstGeom>
+          <a:solidFill>
+            <a:schemeClr val="accent2">
+              <a:lumMod val="20000"/>
+              <a:lumOff val="80000"/>
+            </a:schemeClr>
+          </a:solidFill>
+          <a:ln>
+            <a:solidFill>
+              <a:schemeClr val="tx1"/>
+            </a:solidFill>
+          </a:ln>
+        </p:spPr>
+        <p:txBody>
+          <a:bodyPr wrap="square" rtlCol="0">
+            <a:spAutoFit/>
+          </a:bodyPr>
+          <a:lstStyle/>
+          <a:p>
+            <a:pPr algn="ctr"/>
+            <a:r>
+              <a:rPr lang="en-US" sz="1400" dirty="0">
+                <a:solidFill>
+                  <a:schemeClr val="tx1"/>
+                </a:solidFill>
+                <a:latin typeface="IBM Plex Sans" charset="0"/>
+                <a:ea typeface="IBM Plex Sans" charset="0"/>
+                <a:cs typeface="IBM Plex Sans" charset="0"/>
+              </a:rPr>
+              <a:t>Label</a:t>
+            </a:r>
+          </a:p>
+        </p:txBody>
+      </p:sp>
     </p:spTree>
     <p:extLst>
       <p:ext uri="{BB962C8B-B14F-4D97-AF65-F5344CB8AC3E}">
@@ -13085,7 +13265,7 @@
           <p:cNvPr id="2" name="Title 1">
             <a:extLst>
               <a:ext uri="{FF2B5EF4-FFF2-40B4-BE49-F238E27FC236}">
-                <a16:creationId xmlns:a16="http://schemas.microsoft.com/office/drawing/2014/main" id="{B2A68282-2C14-BB93-CF04-D5263C000605}"/>
+                <a16:creationId xmlns:a16="http://schemas.microsoft.com/office/drawing/2014/main" id="{C5DFC8EE-6C2C-BA82-234D-0E6F1923AFE0}"/>
               </a:ext>
             </a:extLst>
           </p:cNvPr>
@@ -13103,17 +13283,17 @@
           <a:p>
             <a:r>
               <a:rPr lang="en-US" dirty="0"/>
-              <a:t>NLIP Differentiators </a:t>
-            </a:r>
-          </a:p>
-        </p:txBody>
-      </p:sp>
-      <p:sp>
-        <p:nvSpPr>
-          <p:cNvPr id="4" name="Text Placeholder 3">
+              <a:t>NLIP Binding to HTTPS/REST</a:t>
+            </a:r>
+          </a:p>
+        </p:txBody>
+      </p:sp>
+      <p:sp>
+        <p:nvSpPr>
+          <p:cNvPr id="3" name="Text Placeholder 2">
             <a:extLst>
               <a:ext uri="{FF2B5EF4-FFF2-40B4-BE49-F238E27FC236}">
-                <a16:creationId xmlns:a16="http://schemas.microsoft.com/office/drawing/2014/main" id="{098397A4-CF14-470F-0AA8-AD9522FBAAC2}"/>
+                <a16:creationId xmlns:a16="http://schemas.microsoft.com/office/drawing/2014/main" id="{9A774739-92DC-F4B4-8AE5-9765930912B8}"/>
               </a:ext>
             </a:extLst>
           </p:cNvPr>
@@ -13131,33 +13311,66 @@
           <a:p>
             <a:r>
               <a:rPr lang="en-US" dirty="0"/>
-              <a:t>NLIP enables a single API to be offered by different agents for their functions </a:t>
-            </a:r>
-          </a:p>
-          <a:p>
-            <a:r>
-              <a:rPr lang="en-US" dirty="0"/>
-              <a:t>NLIP focuses on the modality of the content to be exchanged between agents</a:t>
+              <a:t>NLIP Server on HTTPS/REST exposes two end-points </a:t>
             </a:r>
           </a:p>
           <a:p>
             <a:pPr lvl="1"/>
             <a:r>
               <a:rPr lang="en-US" dirty="0"/>
-              <a:t>relying on the LLM capability of the agents to interpret the content and take actions thereof </a:t>
-            </a:r>
-          </a:p>
-          <a:p>
+              <a:t>A end-point of https://&lt;</a:t>
+            </a:r>
+            <a:r>
+              <a:rPr lang="en-US" dirty="0" err="1"/>
+              <a:t>server_name</a:t>
+            </a:r>
+            <a:r>
+              <a:rPr lang="en-US" dirty="0"/>
+              <a:t>&gt;:port/</a:t>
+            </a:r>
+            <a:r>
+              <a:rPr lang="en-US" dirty="0" err="1"/>
+              <a:t>nlip</a:t>
+            </a:r>
+            <a:r>
+              <a:rPr lang="en-US" dirty="0"/>
+              <a:t> </a:t>
+            </a:r>
+          </a:p>
+          <a:p>
+            <a:pPr lvl="2"/>
+            <a:r>
+              <a:rPr lang="en-US" dirty="0"/>
+              <a:t>All request/response on this end-point is a NLIP message</a:t>
+            </a:r>
+          </a:p>
+          <a:p>
+            <a:pPr lvl="1"/>
+            <a:r>
+              <a:rPr lang="en-US" dirty="0"/>
+              <a:t>A end-point for uploading large binary files </a:t>
+            </a:r>
+          </a:p>
+          <a:p>
+            <a:pPr lvl="2"/>
+            <a:r>
+              <a:rPr lang="en-US" dirty="0"/>
+              <a:t>Can be selected by </a:t>
+            </a:r>
+            <a:r>
+              <a:rPr lang="en-US"/>
+              <a:t>the end-point. </a:t>
+            </a:r>
             <a:endParaRPr lang="en-US" dirty="0"/>
           </a:p>
         </p:txBody>
       </p:sp>
       <p:sp>
         <p:nvSpPr>
-          <p:cNvPr id="3" name="Slide Number Placeholder 2">
+          <p:cNvPr id="4" name="Slide Number Placeholder 3">
             <a:extLst>
               <a:ext uri="{FF2B5EF4-FFF2-40B4-BE49-F238E27FC236}">
-                <a16:creationId xmlns:a16="http://schemas.microsoft.com/office/drawing/2014/main" id="{A99F9692-CD18-409D-8B25-24BE21668BFA}"/>
+                <a16:creationId xmlns:a16="http://schemas.microsoft.com/office/drawing/2014/main" id="{27B1173B-C886-3B47-7CA5-289960BAF4BB}"/>
               </a:ext>
             </a:extLst>
           </p:cNvPr>
@@ -13185,7 +13398,7 @@
     </p:spTree>
     <p:extLst>
       <p:ext uri="{BB962C8B-B14F-4D97-AF65-F5344CB8AC3E}">
-        <p14:creationId xmlns:p14="http://schemas.microsoft.com/office/powerpoint/2010/main" val="2324662919"/>
+        <p14:creationId xmlns:p14="http://schemas.microsoft.com/office/powerpoint/2010/main" val="2731915850"/>
       </p:ext>
     </p:extLst>
   </p:cSld>
@@ -13217,7 +13430,7 @@
           <p:cNvPr id="2" name="Title 1">
             <a:extLst>
               <a:ext uri="{FF2B5EF4-FFF2-40B4-BE49-F238E27FC236}">
-                <a16:creationId xmlns:a16="http://schemas.microsoft.com/office/drawing/2014/main" id="{48DD1517-6370-9650-858C-4895B8151A73}"/>
+                <a16:creationId xmlns:a16="http://schemas.microsoft.com/office/drawing/2014/main" id="{B2A68282-2C14-BB93-CF04-D5263C000605}"/>
               </a:ext>
             </a:extLst>
           </p:cNvPr>
@@ -13235,17 +13448,17 @@
           <a:p>
             <a:r>
               <a:rPr lang="en-US" dirty="0"/>
-              <a:t>Status </a:t>
-            </a:r>
-          </a:p>
-        </p:txBody>
-      </p:sp>
-      <p:sp>
-        <p:nvSpPr>
-          <p:cNvPr id="3" name="Text Placeholder 2">
+              <a:t>NLIP Differentiators </a:t>
+            </a:r>
+          </a:p>
+        </p:txBody>
+      </p:sp>
+      <p:sp>
+        <p:nvSpPr>
+          <p:cNvPr id="4" name="Text Placeholder 3">
             <a:extLst>
               <a:ext uri="{FF2B5EF4-FFF2-40B4-BE49-F238E27FC236}">
-                <a16:creationId xmlns:a16="http://schemas.microsoft.com/office/drawing/2014/main" id="{2163FC08-D589-35F2-E8F5-8CFF7F1260D1}"/>
+                <a16:creationId xmlns:a16="http://schemas.microsoft.com/office/drawing/2014/main" id="{098397A4-CF14-470F-0AA8-AD9522FBAAC2}"/>
               </a:ext>
             </a:extLst>
           </p:cNvPr>
@@ -13263,36 +13476,33 @@
           <a:p>
             <a:r>
               <a:rPr lang="en-US" dirty="0"/>
-              <a:t>NLIP being defined and standardized under ECMA TC-56 </a:t>
-            </a:r>
-          </a:p>
-          <a:p>
-            <a:r>
-              <a:rPr lang="en-US" dirty="0"/>
-              <a:t>Draft Specifications and Initial implementations at </a:t>
-            </a:r>
-            <a:r>
-              <a:rPr lang="en-US" dirty="0">
-                <a:hlinkClick r:id="rId2"/>
-              </a:rPr>
-              <a:t>https://github.com/nlip-project</a:t>
-            </a:r>
+              <a:t>NLIP enables a single API to be offered by different agents for their functions </a:t>
+            </a:r>
+          </a:p>
+          <a:p>
+            <a:r>
+              <a:rPr lang="en-US" dirty="0"/>
+              <a:t>NLIP focuses on the modality of the content to be exchanged between agents</a:t>
+            </a:r>
+          </a:p>
+          <a:p>
+            <a:pPr lvl="1"/>
+            <a:r>
+              <a:rPr lang="en-US" dirty="0"/>
+              <a:t>relying on the LLM capability of the agents to interpret the content and take actions thereof </a:t>
+            </a:r>
+          </a:p>
+          <a:p>
             <a:endParaRPr lang="en-US" dirty="0"/>
           </a:p>
-          <a:p>
-            <a:r>
-              <a:rPr lang="en-US" dirty="0"/>
-              <a:t>Plan is to establish an official standard in 2H 2025. </a:t>
-            </a:r>
-          </a:p>
-        </p:txBody>
-      </p:sp>
-      <p:sp>
-        <p:nvSpPr>
-          <p:cNvPr id="5" name="Slide Number Placeholder 4">
+        </p:txBody>
+      </p:sp>
+      <p:sp>
+        <p:nvSpPr>
+          <p:cNvPr id="3" name="Slide Number Placeholder 2">
             <a:extLst>
               <a:ext uri="{FF2B5EF4-FFF2-40B4-BE49-F238E27FC236}">
-                <a16:creationId xmlns:a16="http://schemas.microsoft.com/office/drawing/2014/main" id="{B287D239-C3A5-B838-1595-78C2CA5E342B}"/>
+                <a16:creationId xmlns:a16="http://schemas.microsoft.com/office/drawing/2014/main" id="{A99F9692-CD18-409D-8B25-24BE21668BFA}"/>
               </a:ext>
             </a:extLst>
           </p:cNvPr>
@@ -13320,7 +13530,7 @@
     </p:spTree>
     <p:extLst>
       <p:ext uri="{BB962C8B-B14F-4D97-AF65-F5344CB8AC3E}">
-        <p14:creationId xmlns:p14="http://schemas.microsoft.com/office/powerpoint/2010/main" val="3767636490"/>
+        <p14:creationId xmlns:p14="http://schemas.microsoft.com/office/powerpoint/2010/main" val="2324662919"/>
       </p:ext>
     </p:extLst>
   </p:cSld>
@@ -13349,6 +13559,141 @@
       </p:grpSpPr>
       <p:sp>
         <p:nvSpPr>
+          <p:cNvPr id="2" name="Title 1">
+            <a:extLst>
+              <a:ext uri="{FF2B5EF4-FFF2-40B4-BE49-F238E27FC236}">
+                <a16:creationId xmlns:a16="http://schemas.microsoft.com/office/drawing/2014/main" id="{48DD1517-6370-9650-858C-4895B8151A73}"/>
+              </a:ext>
+            </a:extLst>
+          </p:cNvPr>
+          <p:cNvSpPr>
+            <a:spLocks noGrp="1"/>
+          </p:cNvSpPr>
+          <p:nvPr>
+            <p:ph type="title"/>
+          </p:nvPr>
+        </p:nvSpPr>
+        <p:spPr/>
+        <p:txBody>
+          <a:bodyPr/>
+          <a:lstStyle/>
+          <a:p>
+            <a:r>
+              <a:rPr lang="en-US" dirty="0"/>
+              <a:t>Status </a:t>
+            </a:r>
+          </a:p>
+        </p:txBody>
+      </p:sp>
+      <p:sp>
+        <p:nvSpPr>
+          <p:cNvPr id="3" name="Text Placeholder 2">
+            <a:extLst>
+              <a:ext uri="{FF2B5EF4-FFF2-40B4-BE49-F238E27FC236}">
+                <a16:creationId xmlns:a16="http://schemas.microsoft.com/office/drawing/2014/main" id="{2163FC08-D589-35F2-E8F5-8CFF7F1260D1}"/>
+              </a:ext>
+            </a:extLst>
+          </p:cNvPr>
+          <p:cNvSpPr>
+            <a:spLocks noGrp="1"/>
+          </p:cNvSpPr>
+          <p:nvPr>
+            <p:ph type="body" sz="quarter" idx="13"/>
+          </p:nvPr>
+        </p:nvSpPr>
+        <p:spPr/>
+        <p:txBody>
+          <a:bodyPr/>
+          <a:lstStyle/>
+          <a:p>
+            <a:r>
+              <a:rPr lang="en-US" dirty="0"/>
+              <a:t>NLIP being defined and standardized under ECMA TC-56 </a:t>
+            </a:r>
+          </a:p>
+          <a:p>
+            <a:r>
+              <a:rPr lang="en-US" dirty="0"/>
+              <a:t>Draft Specifications and Initial implementations at </a:t>
+            </a:r>
+            <a:r>
+              <a:rPr lang="en-US" dirty="0">
+                <a:hlinkClick r:id="rId2"/>
+              </a:rPr>
+              <a:t>https://github.com/nlip-project</a:t>
+            </a:r>
+            <a:endParaRPr lang="en-US" dirty="0"/>
+          </a:p>
+          <a:p>
+            <a:r>
+              <a:rPr lang="en-US" dirty="0"/>
+              <a:t>Plan is to establish an official standard in 2H 2025. </a:t>
+            </a:r>
+          </a:p>
+        </p:txBody>
+      </p:sp>
+      <p:sp>
+        <p:nvSpPr>
+          <p:cNvPr id="5" name="Slide Number Placeholder 4">
+            <a:extLst>
+              <a:ext uri="{FF2B5EF4-FFF2-40B4-BE49-F238E27FC236}">
+                <a16:creationId xmlns:a16="http://schemas.microsoft.com/office/drawing/2014/main" id="{B287D239-C3A5-B838-1595-78C2CA5E342B}"/>
+              </a:ext>
+            </a:extLst>
+          </p:cNvPr>
+          <p:cNvSpPr>
+            <a:spLocks noGrp="1"/>
+          </p:cNvSpPr>
+          <p:nvPr>
+            <p:ph type="sldNum" sz="quarter" idx="11"/>
+          </p:nvPr>
+        </p:nvSpPr>
+        <p:spPr/>
+        <p:txBody>
+          <a:bodyPr/>
+          <a:lstStyle/>
+          <a:p>
+            <a:fld id="{59395FB3-9C97-154F-86B2-7E381B951268}" type="slidenum">
+              <a:rPr lang="en-US" smtClean="0"/>
+              <a:pPr/>
+              <a:t>16</a:t>
+            </a:fld>
+            <a:endParaRPr lang="en-US" dirty="0"/>
+          </a:p>
+        </p:txBody>
+      </p:sp>
+    </p:spTree>
+    <p:extLst>
+      <p:ext uri="{BB962C8B-B14F-4D97-AF65-F5344CB8AC3E}">
+        <p14:creationId xmlns:p14="http://schemas.microsoft.com/office/powerpoint/2010/main" val="3767636490"/>
+      </p:ext>
+    </p:extLst>
+  </p:cSld>
+  <p:clrMapOvr>
+    <a:masterClrMapping/>
+  </p:clrMapOvr>
+</p:sld>
+</file>
+
+<file path=ppt/slides/slide17.xml><?xml version="1.0" encoding="utf-8"?>
+<p:sld xmlns:a="http://schemas.openxmlformats.org/drawingml/2006/main" xmlns:r="http://schemas.openxmlformats.org/officeDocument/2006/relationships" xmlns:p="http://schemas.openxmlformats.org/presentationml/2006/main">
+  <p:cSld>
+    <p:spTree>
+      <p:nvGrpSpPr>
+        <p:cNvPr id="1" name=""/>
+        <p:cNvGrpSpPr/>
+        <p:nvPr/>
+      </p:nvGrpSpPr>
+      <p:grpSpPr>
+        <a:xfrm>
+          <a:off x="0" y="0"/>
+          <a:ext cx="0" cy="0"/>
+          <a:chOff x="0" y="0"/>
+          <a:chExt cx="0" cy="0"/>
+        </a:xfrm>
+      </p:grpSpPr>
+      <p:sp>
+        <p:nvSpPr>
           <p:cNvPr id="3" name="Slide Number Placeholder 2">
             <a:extLst>
               <a:ext uri="{FF2B5EF4-FFF2-40B4-BE49-F238E27FC236}">
@@ -13371,7 +13716,7 @@
             <a:fld id="{59395FB3-9C97-154F-86B2-7E381B951268}" type="slidenum">
               <a:rPr lang="en-US" smtClean="0"/>
               <a:pPr/>
-              <a:t>16</a:t>
+              <a:t>17</a:t>
             </a:fld>
             <a:endParaRPr lang="en-US" dirty="0"/>
           </a:p>
